--- a/fig/motivation-link.pptx
+++ b/fig/motivation-link.pptx
@@ -243,7 +243,7 @@
           <a:p>
             <a:fld id="{517EAB4C-991F-B74B-AAA3-F9EB6CA7F48D}" type="datetimeFigureOut">
               <a:rPr kumimoji="1" lang="zh-CN" altLang="en-US" smtClean="0"/>
-              <a:t>2020/12/4</a:t>
+              <a:t>2021/1/20</a:t>
             </a:fld>
             <a:endParaRPr kumimoji="1" lang="zh-CN" altLang="en-US"/>
           </a:p>
@@ -413,7 +413,7 @@
           <a:p>
             <a:fld id="{517EAB4C-991F-B74B-AAA3-F9EB6CA7F48D}" type="datetimeFigureOut">
               <a:rPr kumimoji="1" lang="zh-CN" altLang="en-US" smtClean="0"/>
-              <a:t>2020/12/4</a:t>
+              <a:t>2021/1/20</a:t>
             </a:fld>
             <a:endParaRPr kumimoji="1" lang="zh-CN" altLang="en-US"/>
           </a:p>
@@ -593,7 +593,7 @@
           <a:p>
             <a:fld id="{517EAB4C-991F-B74B-AAA3-F9EB6CA7F48D}" type="datetimeFigureOut">
               <a:rPr kumimoji="1" lang="zh-CN" altLang="en-US" smtClean="0"/>
-              <a:t>2020/12/4</a:t>
+              <a:t>2021/1/20</a:t>
             </a:fld>
             <a:endParaRPr kumimoji="1" lang="zh-CN" altLang="en-US"/>
           </a:p>
@@ -763,7 +763,7 @@
           <a:p>
             <a:fld id="{517EAB4C-991F-B74B-AAA3-F9EB6CA7F48D}" type="datetimeFigureOut">
               <a:rPr kumimoji="1" lang="zh-CN" altLang="en-US" smtClean="0"/>
-              <a:t>2020/12/4</a:t>
+              <a:t>2021/1/20</a:t>
             </a:fld>
             <a:endParaRPr kumimoji="1" lang="zh-CN" altLang="en-US"/>
           </a:p>
@@ -1007,7 +1007,7 @@
           <a:p>
             <a:fld id="{517EAB4C-991F-B74B-AAA3-F9EB6CA7F48D}" type="datetimeFigureOut">
               <a:rPr kumimoji="1" lang="zh-CN" altLang="en-US" smtClean="0"/>
-              <a:t>2020/12/4</a:t>
+              <a:t>2021/1/20</a:t>
             </a:fld>
             <a:endParaRPr kumimoji="1" lang="zh-CN" altLang="en-US"/>
           </a:p>
@@ -1239,7 +1239,7 @@
           <a:p>
             <a:fld id="{517EAB4C-991F-B74B-AAA3-F9EB6CA7F48D}" type="datetimeFigureOut">
               <a:rPr kumimoji="1" lang="zh-CN" altLang="en-US" smtClean="0"/>
-              <a:t>2020/12/4</a:t>
+              <a:t>2021/1/20</a:t>
             </a:fld>
             <a:endParaRPr kumimoji="1" lang="zh-CN" altLang="en-US"/>
           </a:p>
@@ -1606,7 +1606,7 @@
           <a:p>
             <a:fld id="{517EAB4C-991F-B74B-AAA3-F9EB6CA7F48D}" type="datetimeFigureOut">
               <a:rPr kumimoji="1" lang="zh-CN" altLang="en-US" smtClean="0"/>
-              <a:t>2020/12/4</a:t>
+              <a:t>2021/1/20</a:t>
             </a:fld>
             <a:endParaRPr kumimoji="1" lang="zh-CN" altLang="en-US"/>
           </a:p>
@@ -1724,7 +1724,7 @@
           <a:p>
             <a:fld id="{517EAB4C-991F-B74B-AAA3-F9EB6CA7F48D}" type="datetimeFigureOut">
               <a:rPr kumimoji="1" lang="zh-CN" altLang="en-US" smtClean="0"/>
-              <a:t>2020/12/4</a:t>
+              <a:t>2021/1/20</a:t>
             </a:fld>
             <a:endParaRPr kumimoji="1" lang="zh-CN" altLang="en-US"/>
           </a:p>
@@ -1819,7 +1819,7 @@
           <a:p>
             <a:fld id="{517EAB4C-991F-B74B-AAA3-F9EB6CA7F48D}" type="datetimeFigureOut">
               <a:rPr kumimoji="1" lang="zh-CN" altLang="en-US" smtClean="0"/>
-              <a:t>2020/12/4</a:t>
+              <a:t>2021/1/20</a:t>
             </a:fld>
             <a:endParaRPr kumimoji="1" lang="zh-CN" altLang="en-US"/>
           </a:p>
@@ -2096,7 +2096,7 @@
           <a:p>
             <a:fld id="{517EAB4C-991F-B74B-AAA3-F9EB6CA7F48D}" type="datetimeFigureOut">
               <a:rPr kumimoji="1" lang="zh-CN" altLang="en-US" smtClean="0"/>
-              <a:t>2020/12/4</a:t>
+              <a:t>2021/1/20</a:t>
             </a:fld>
             <a:endParaRPr kumimoji="1" lang="zh-CN" altLang="en-US"/>
           </a:p>
@@ -2353,7 +2353,7 @@
           <a:p>
             <a:fld id="{517EAB4C-991F-B74B-AAA3-F9EB6CA7F48D}" type="datetimeFigureOut">
               <a:rPr kumimoji="1" lang="zh-CN" altLang="en-US" smtClean="0"/>
-              <a:t>2020/12/4</a:t>
+              <a:t>2021/1/20</a:t>
             </a:fld>
             <a:endParaRPr kumimoji="1" lang="zh-CN" altLang="en-US"/>
           </a:p>
@@ -2566,7 +2566,7 @@
           <a:p>
             <a:fld id="{517EAB4C-991F-B74B-AAA3-F9EB6CA7F48D}" type="datetimeFigureOut">
               <a:rPr kumimoji="1" lang="zh-CN" altLang="en-US" smtClean="0"/>
-              <a:t>2020/12/4</a:t>
+              <a:t>2021/1/20</a:t>
             </a:fld>
             <a:endParaRPr kumimoji="1" lang="zh-CN" altLang="en-US"/>
           </a:p>
@@ -3028,8 +3028,8 @@
         </p:nvSpPr>
         <p:spPr>
           <a:xfrm>
-            <a:off x="779352" y="829884"/>
-            <a:ext cx="615554" cy="369332"/>
+            <a:off x="856296" y="829884"/>
+            <a:ext cx="461665" cy="369332"/>
           </a:xfrm>
           <a:prstGeom prst="rect">
             <a:avLst/>
@@ -3048,7 +3048,7 @@
                 <a:latin typeface="Times New Roman" panose="02020603050405020304" pitchFamily="18" charset="0"/>
                 <a:cs typeface="Times New Roman" panose="02020603050405020304" pitchFamily="18" charset="0"/>
               </a:rPr>
-              <a:t>96%</a:t>
+              <a:t>4%</a:t>
             </a:r>
             <a:endParaRPr kumimoji="1" lang="zh-CN" altLang="en-US" sz="2400" b="1" dirty="0">
               <a:latin typeface="Times New Roman" panose="02020603050405020304" pitchFamily="18" charset="0"/>
@@ -3200,8 +3200,8 @@
         </p:nvSpPr>
         <p:spPr>
           <a:xfrm>
-            <a:off x="733978" y="2531925"/>
-            <a:ext cx="846386" cy="369332"/>
+            <a:off x="810923" y="2531925"/>
+            <a:ext cx="692497" cy="369332"/>
           </a:xfrm>
           <a:prstGeom prst="rect">
             <a:avLst/>
@@ -3220,7 +3220,7 @@
                 <a:latin typeface="Times New Roman" panose="02020603050405020304" pitchFamily="18" charset="0"/>
                 <a:cs typeface="Times New Roman" panose="02020603050405020304" pitchFamily="18" charset="0"/>
               </a:rPr>
-              <a:t>99.9%</a:t>
+              <a:t>0.1%</a:t>
             </a:r>
             <a:endParaRPr kumimoji="1" lang="zh-CN" altLang="en-US" sz="2400" b="1" dirty="0">
               <a:latin typeface="Times New Roman" panose="02020603050405020304" pitchFamily="18" charset="0"/>
@@ -3243,8 +3243,8 @@
         </p:nvSpPr>
         <p:spPr>
           <a:xfrm>
-            <a:off x="2688174" y="748311"/>
-            <a:ext cx="1308050" cy="369332"/>
+            <a:off x="2765118" y="748311"/>
+            <a:ext cx="1154163" cy="369332"/>
           </a:xfrm>
           <a:prstGeom prst="rect">
             <a:avLst/>
@@ -3263,7 +3263,7 @@
                 <a:latin typeface="Times New Roman" panose="02020603050405020304" pitchFamily="18" charset="0"/>
                 <a:cs typeface="Times New Roman" panose="02020603050405020304" pitchFamily="18" charset="0"/>
               </a:rPr>
-              <a:t>99.9999%</a:t>
+              <a:t>0.0001%</a:t>
             </a:r>
             <a:endParaRPr kumimoji="1" lang="zh-CN" altLang="en-US" sz="2400" b="1" dirty="0">
               <a:latin typeface="Times New Roman" panose="02020603050405020304" pitchFamily="18" charset="0"/>
@@ -3286,8 +3286,8 @@
         </p:nvSpPr>
         <p:spPr>
           <a:xfrm>
-            <a:off x="2924752" y="2576724"/>
-            <a:ext cx="1308050" cy="369332"/>
+            <a:off x="3001696" y="2576724"/>
+            <a:ext cx="1154163" cy="369332"/>
           </a:xfrm>
           <a:prstGeom prst="rect">
             <a:avLst/>
@@ -3306,7 +3306,7 @@
                 <a:latin typeface="Times New Roman" panose="02020603050405020304" pitchFamily="18" charset="0"/>
                 <a:cs typeface="Times New Roman" panose="02020603050405020304" pitchFamily="18" charset="0"/>
               </a:rPr>
-              <a:t>99.9999%</a:t>
+              <a:t>0.0001%</a:t>
             </a:r>
             <a:endParaRPr kumimoji="1" lang="zh-CN" altLang="en-US" sz="2400" b="1" dirty="0">
               <a:latin typeface="Times New Roman" panose="02020603050405020304" pitchFamily="18" charset="0"/>
